--- a/余天文-硕5033班.pptx
+++ b/余天文-硕5033班.pptx
@@ -6,7 +6,7 @@
     <p:sldMasterId id="2147483744" r:id="rId2"/>
   </p:sldMasterIdLst>
   <p:notesMasterIdLst>
-    <p:notesMasterId r:id="rId38"/>
+    <p:notesMasterId r:id="rId40"/>
   </p:notesMasterIdLst>
   <p:sldIdLst>
     <p:sldId id="269" r:id="rId3"/>
@@ -43,7 +43,9 @@
     <p:sldId id="459" r:id="rId34"/>
     <p:sldId id="464" r:id="rId35"/>
     <p:sldId id="465" r:id="rId36"/>
-    <p:sldId id="405" r:id="rId37"/>
+    <p:sldId id="470" r:id="rId37"/>
+    <p:sldId id="471" r:id="rId38"/>
+    <p:sldId id="405" r:id="rId39"/>
   </p:sldIdLst>
   <p:sldSz cx="9144000" cy="6858000" type="screen4x3"/>
   <p:notesSz cx="6858000" cy="9144000"/>
@@ -286,7 +288,7 @@
             </a:pPr>
             <a:fld id="{B68AFF8E-04B8-4B73-AD60-9DC663228956}" type="datetimeFigureOut">
               <a:rPr lang="zh-CN" altLang="en-US"/>
-              <a:t>2018/5/16</a:t>
+              <a:t>2018/5/18</a:t>
             </a:fld>
             <a:endParaRPr lang="zh-CN" altLang="en-US"/>
           </a:p>
@@ -3054,7 +3056,7 @@
             </a:pPr>
             <a:fld id="{CEB6C463-7EF0-4C3A-ACBE-CD8E8B8AFAA1}" type="datetime1">
               <a:rPr lang="zh-CN" altLang="en-US" smtClean="0"/>
-              <a:t>2018/5/16</a:t>
+              <a:t>2018/5/18</a:t>
             </a:fld>
             <a:endParaRPr lang="zh-CN" altLang="en-US"/>
           </a:p>
@@ -3250,7 +3252,7 @@
             </a:pPr>
             <a:fld id="{E809181E-B778-4F72-ABC2-82B47BB93D46}" type="datetime1">
               <a:rPr lang="zh-CN" altLang="en-US" smtClean="0"/>
-              <a:t>2018/5/16</a:t>
+              <a:t>2018/5/18</a:t>
             </a:fld>
             <a:endParaRPr lang="zh-CN" altLang="en-US"/>
           </a:p>
@@ -3443,7 +3445,7 @@
             </a:pPr>
             <a:fld id="{936040ED-3980-406C-BEF6-5F77DF48E9CA}" type="datetime1">
               <a:rPr lang="zh-CN" altLang="en-US" smtClean="0"/>
-              <a:t>2018/5/16</a:t>
+              <a:t>2018/5/18</a:t>
             </a:fld>
             <a:endParaRPr lang="zh-CN" altLang="en-US"/>
           </a:p>
@@ -3889,7 +3891,7 @@
                   </a:prstClr>
                 </a:solidFill>
               </a:rPr>
-              <a:t>2018/5/16</a:t>
+              <a:t>2018/5/18</a:t>
             </a:fld>
             <a:endParaRPr lang="zh-CN" altLang="en-US">
               <a:solidFill>
@@ -4175,7 +4177,7 @@
                   </a:prstClr>
                 </a:solidFill>
               </a:rPr>
-              <a:t>2018/5/16</a:t>
+              <a:t>2018/5/18</a:t>
             </a:fld>
             <a:endParaRPr lang="zh-CN" altLang="en-US">
               <a:solidFill>
@@ -4452,7 +4454,7 @@
                   </a:prstClr>
                 </a:solidFill>
               </a:rPr>
-              <a:t>2018/5/16</a:t>
+              <a:t>2018/5/18</a:t>
             </a:fld>
             <a:endParaRPr lang="zh-CN" altLang="en-US">
               <a:solidFill>
@@ -4742,7 +4744,7 @@
             </a:pPr>
             <a:fld id="{F65B2640-2216-4BDB-A06E-91E1A7D7C455}" type="datetime1">
               <a:rPr lang="zh-CN" altLang="en-US" smtClean="0"/>
-              <a:t>2018/5/16</a:t>
+              <a:t>2018/5/18</a:t>
             </a:fld>
             <a:endParaRPr lang="zh-CN" altLang="en-US"/>
           </a:p>
@@ -5069,7 +5071,7 @@
                   </a:prstClr>
                 </a:solidFill>
               </a:rPr>
-              <a:t>2018/5/16</a:t>
+              <a:t>2018/5/18</a:t>
             </a:fld>
             <a:endParaRPr lang="zh-CN" altLang="en-US">
               <a:solidFill>
@@ -5522,7 +5524,7 @@
                   </a:prstClr>
                 </a:solidFill>
               </a:rPr>
-              <a:t>2018/5/16</a:t>
+              <a:t>2018/5/18</a:t>
             </a:fld>
             <a:endParaRPr lang="zh-CN" altLang="en-US">
               <a:solidFill>
@@ -5671,7 +5673,7 @@
                   </a:prstClr>
                 </a:solidFill>
               </a:rPr>
-              <a:t>2018/5/16</a:t>
+              <a:t>2018/5/18</a:t>
             </a:fld>
             <a:endParaRPr lang="zh-CN" altLang="en-US">
               <a:solidFill>
@@ -5804,7 +5806,7 @@
                   </a:prstClr>
                 </a:solidFill>
               </a:rPr>
-              <a:t>2018/5/16</a:t>
+              <a:t>2018/5/18</a:t>
             </a:fld>
             <a:endParaRPr lang="zh-CN" altLang="en-US">
               <a:solidFill>
@@ -6119,7 +6121,7 @@
                   </a:prstClr>
                 </a:solidFill>
               </a:rPr>
-              <a:t>2018/5/16</a:t>
+              <a:t>2018/5/18</a:t>
             </a:fld>
             <a:endParaRPr lang="zh-CN" altLang="en-US">
               <a:solidFill>
@@ -6413,7 +6415,7 @@
                   </a:prstClr>
                 </a:solidFill>
               </a:rPr>
-              <a:t>2018/5/16</a:t>
+              <a:t>2018/5/18</a:t>
             </a:fld>
             <a:endParaRPr lang="zh-CN" altLang="en-US">
               <a:solidFill>
@@ -6621,7 +6623,7 @@
                   </a:prstClr>
                 </a:solidFill>
               </a:rPr>
-              <a:t>2018/5/16</a:t>
+              <a:t>2018/5/18</a:t>
             </a:fld>
             <a:endParaRPr lang="zh-CN" altLang="en-US">
               <a:solidFill>
@@ -6839,7 +6841,7 @@
                   </a:prstClr>
                 </a:solidFill>
               </a:rPr>
-              <a:t>2018/5/16</a:t>
+              <a:t>2018/5/18</a:t>
             </a:fld>
             <a:endParaRPr lang="zh-CN" altLang="en-US">
               <a:solidFill>
@@ -7117,7 +7119,7 @@
             </a:pPr>
             <a:fld id="{625C7D66-80DB-4E8E-A46B-A6083402B082}" type="datetime1">
               <a:rPr lang="zh-CN" altLang="en-US" smtClean="0"/>
-              <a:t>2018/5/16</a:t>
+              <a:t>2018/5/18</a:t>
             </a:fld>
             <a:endParaRPr lang="zh-CN" altLang="en-US"/>
           </a:p>
@@ -7418,7 +7420,7 @@
             </a:pPr>
             <a:fld id="{F71A3E7F-5FA9-4BC7-9E26-FE5A2D8A4CAD}" type="datetime1">
               <a:rPr lang="zh-CN" altLang="en-US" smtClean="0"/>
-              <a:t>2018/5/16</a:t>
+              <a:t>2018/5/18</a:t>
             </a:fld>
             <a:endParaRPr lang="zh-CN" altLang="en-US"/>
           </a:p>
@@ -7860,7 +7862,7 @@
             </a:pPr>
             <a:fld id="{2F56544A-3875-41A7-9C12-0C7A2C13E0B6}" type="datetime1">
               <a:rPr lang="zh-CN" altLang="en-US" smtClean="0"/>
-              <a:t>2018/5/16</a:t>
+              <a:t>2018/5/18</a:t>
             </a:fld>
             <a:endParaRPr lang="zh-CN" altLang="en-US"/>
           </a:p>
@@ -7991,7 +7993,7 @@
             </a:pPr>
             <a:fld id="{440F5672-DABD-4D56-B56D-2E321819E2E6}" type="datetime1">
               <a:rPr lang="zh-CN" altLang="en-US" smtClean="0"/>
-              <a:t>2018/5/16</a:t>
+              <a:t>2018/5/18</a:t>
             </a:fld>
             <a:endParaRPr lang="zh-CN" altLang="en-US"/>
           </a:p>
@@ -8106,7 +8108,7 @@
             </a:pPr>
             <a:fld id="{CA28A152-1013-44F5-B2CD-9C4743AF9A91}" type="datetime1">
               <a:rPr lang="zh-CN" altLang="en-US" smtClean="0"/>
-              <a:t>2018/5/16</a:t>
+              <a:t>2018/5/18</a:t>
             </a:fld>
             <a:endParaRPr lang="zh-CN" altLang="en-US"/>
           </a:p>
@@ -8403,7 +8405,7 @@
             </a:pPr>
             <a:fld id="{6FF4AF3F-E160-4C5E-A4D7-ED8D0904A2FE}" type="datetime1">
               <a:rPr lang="zh-CN" altLang="en-US" smtClean="0"/>
-              <a:t>2018/5/16</a:t>
+              <a:t>2018/5/18</a:t>
             </a:fld>
             <a:endParaRPr lang="zh-CN" altLang="en-US"/>
           </a:p>
@@ -8679,7 +8681,7 @@
             </a:pPr>
             <a:fld id="{F651FA97-AD5C-44CF-AE5B-CDCE8DF5122B}" type="datetime1">
               <a:rPr lang="zh-CN" altLang="en-US" smtClean="0"/>
-              <a:t>2018/5/16</a:t>
+              <a:t>2018/5/18</a:t>
             </a:fld>
             <a:endParaRPr lang="zh-CN" altLang="en-US"/>
           </a:p>
@@ -8953,7 +8955,7 @@
             </a:pPr>
             <a:fld id="{896AB612-F1BD-4E89-8788-AA507DB91752}" type="datetime1">
               <a:rPr lang="zh-CN" altLang="en-US" smtClean="0"/>
-              <a:t>2018/5/16</a:t>
+              <a:t>2018/5/18</a:t>
             </a:fld>
             <a:endParaRPr lang="zh-CN" altLang="en-US"/>
           </a:p>
@@ -9678,7 +9680,7 @@
                   </a:prstClr>
                 </a:solidFill>
               </a:rPr>
-              <a:t>2018/5/16</a:t>
+              <a:t>2018/5/18</a:t>
             </a:fld>
             <a:endParaRPr lang="zh-CN" altLang="en-US">
               <a:solidFill>
@@ -11400,7 +11402,7 @@
           <a:graphicData uri="http://schemas.openxmlformats.org/presentationml/2006/ole">
             <mc:AlternateContent xmlns:mc="http://schemas.openxmlformats.org/markup-compatibility/2006">
               <mc:Choice xmlns:v="urn:schemas-microsoft-com:vml" Requires="v">
-                <p:oleObj spid="_x0000_s130112" name="Visio" r:id="rId4" imgW="11782597" imgH="6524697" progId="Visio.Drawing.15">
+                <p:oleObj spid="_x0000_s130118" name="Visio" r:id="rId4" imgW="11782597" imgH="6524697" progId="Visio.Drawing.15">
                   <p:embed/>
                 </p:oleObj>
               </mc:Choice>
@@ -11530,7 +11532,7 @@
           <a:graphicData uri="http://schemas.openxmlformats.org/presentationml/2006/ole">
             <mc:AlternateContent xmlns:mc="http://schemas.openxmlformats.org/markup-compatibility/2006">
               <mc:Choice xmlns:v="urn:schemas-microsoft-com:vml" Requires="v">
-                <p:oleObj spid="_x0000_s130113" name="Equation" r:id="rId6" imgW="1930320" imgH="228600" progId="Equation.DSMT4">
+                <p:oleObj spid="_x0000_s130119" name="Equation" r:id="rId6" imgW="1930320" imgH="228600" progId="Equation.DSMT4">
                   <p:embed/>
                 </p:oleObj>
               </mc:Choice>
@@ -12138,19 +12140,7 @@
                 <a:cs typeface="Times New Roman" panose="02020603050405020304" pitchFamily="18" charset="0"/>
                 <a:sym typeface="Calibri" panose="020F0502020204030204" pitchFamily="34" charset="0"/>
               </a:rPr>
-              <a:t>Naïve </a:t>
-            </a:r>
-            <a:r>
-              <a:rPr lang="en-US" altLang="zh-CN" sz="2000" dirty="0" smtClean="0">
-                <a:solidFill>
-                  <a:schemeClr val="tx1"/>
-                </a:solidFill>
-                <a:latin typeface="Times New Roman" panose="02020603050405020304" pitchFamily="18" charset="0"/>
-                <a:ea typeface="微软雅黑" panose="020B0503020204020204" pitchFamily="34" charset="-122"/>
-                <a:cs typeface="Times New Roman" panose="02020603050405020304" pitchFamily="18" charset="0"/>
-                <a:sym typeface="Calibri" panose="020F0502020204030204" pitchFamily="34" charset="0"/>
-              </a:rPr>
-              <a:t>Bayes</a:t>
+              <a:t>Naïve Bayes</a:t>
             </a:r>
             <a:endParaRPr lang="zh-CN" altLang="en-US" sz="2000" dirty="0">
               <a:solidFill>
@@ -14817,7 +14807,7 @@
           <a:graphicData uri="http://schemas.openxmlformats.org/presentationml/2006/ole">
             <mc:AlternateContent xmlns:mc="http://schemas.openxmlformats.org/markup-compatibility/2006">
               <mc:Choice xmlns:v="urn:schemas-microsoft-com:vml" Requires="v">
-                <p:oleObj spid="_x0000_s129164" name="Equation" r:id="rId4" imgW="1714320" imgH="406080" progId="Equation.3">
+                <p:oleObj spid="_x0000_s129170" name="Equation" r:id="rId4" imgW="1714320" imgH="406080" progId="Equation.3">
                   <p:embed/>
                 </p:oleObj>
               </mc:Choice>
@@ -14874,7 +14864,7 @@
           <a:graphicData uri="http://schemas.openxmlformats.org/presentationml/2006/ole">
             <mc:AlternateContent xmlns:mc="http://schemas.openxmlformats.org/markup-compatibility/2006">
               <mc:Choice xmlns:v="urn:schemas-microsoft-com:vml" Requires="v">
-                <p:oleObj spid="_x0000_s129165" name="Equation" r:id="rId6" imgW="838080" imgH="393480" progId="Equation.3">
+                <p:oleObj spid="_x0000_s129171" name="Equation" r:id="rId6" imgW="838080" imgH="393480" progId="Equation.3">
                   <p:embed/>
                 </p:oleObj>
               </mc:Choice>
@@ -42895,14 +42885,7 @@
                 <a:latin typeface="微软雅黑" panose="020B0503020204020204" pitchFamily="34" charset="-122"/>
                 <a:ea typeface="微软雅黑" panose="020B0503020204020204" pitchFamily="34" charset="-122"/>
               </a:rPr>
-              <a:t>提取了三</a:t>
-            </a:r>
-            <a:r>
-              <a:rPr lang="zh-CN" altLang="en-US" sz="1600" dirty="0" smtClean="0">
-                <a:latin typeface="微软雅黑" panose="020B0503020204020204" pitchFamily="34" charset="-122"/>
-                <a:ea typeface="微软雅黑" panose="020B0503020204020204" pitchFamily="34" charset="-122"/>
-              </a:rPr>
-              <a:t>种特征参数；</a:t>
+              <a:t>提取了三种特征参数；</a:t>
             </a:r>
             <a:endParaRPr lang="en-US" altLang="zh-CN" sz="1600" dirty="0">
               <a:latin typeface="微软雅黑" panose="020B0503020204020204" pitchFamily="34" charset="-122"/>
@@ -42922,28 +42905,7 @@
                 <a:latin typeface="微软雅黑" panose="020B0503020204020204" pitchFamily="34" charset="-122"/>
                 <a:ea typeface="微软雅黑" panose="020B0503020204020204" pitchFamily="34" charset="-122"/>
               </a:rPr>
-              <a:t>提出</a:t>
-            </a:r>
-            <a:r>
-              <a:rPr lang="zh-CN" altLang="en-US" sz="1600" dirty="0" smtClean="0">
-                <a:latin typeface="微软雅黑" panose="020B0503020204020204" pitchFamily="34" charset="-122"/>
-                <a:ea typeface="微软雅黑" panose="020B0503020204020204" pitchFamily="34" charset="-122"/>
-              </a:rPr>
-              <a:t>两种</a:t>
-            </a:r>
-            <a:r>
-              <a:rPr lang="zh-CN" altLang="en-US" sz="1600" dirty="0" smtClean="0">
-                <a:latin typeface="微软雅黑" panose="020B0503020204020204" pitchFamily="34" charset="-122"/>
-                <a:ea typeface="微软雅黑" panose="020B0503020204020204" pitchFamily="34" charset="-122"/>
-              </a:rPr>
-              <a:t>特征</a:t>
-            </a:r>
-            <a:r>
-              <a:rPr lang="zh-CN" altLang="en-US" sz="1600" dirty="0" smtClean="0">
-                <a:latin typeface="微软雅黑" panose="020B0503020204020204" pitchFamily="34" charset="-122"/>
-                <a:ea typeface="微软雅黑" panose="020B0503020204020204" pitchFamily="34" charset="-122"/>
-              </a:rPr>
-              <a:t>指纹生成方法；</a:t>
+              <a:t>提出两种特征指纹生成方法；</a:t>
             </a:r>
             <a:endParaRPr lang="en-US" altLang="zh-CN" sz="1600" dirty="0" smtClean="0">
               <a:latin typeface="微软雅黑" panose="020B0503020204020204" pitchFamily="34" charset="-122"/>
@@ -42963,28 +42925,7 @@
                 <a:latin typeface="微软雅黑" panose="020B0503020204020204" pitchFamily="34" charset="-122"/>
                 <a:ea typeface="微软雅黑" panose="020B0503020204020204" pitchFamily="34" charset="-122"/>
               </a:rPr>
-              <a:t>使用</a:t>
-            </a:r>
-            <a:r>
-              <a:rPr lang="zh-CN" altLang="en-US" sz="1600" dirty="0" smtClean="0">
-                <a:latin typeface="微软雅黑" panose="020B0503020204020204" pitchFamily="34" charset="-122"/>
-                <a:ea typeface="微软雅黑" panose="020B0503020204020204" pitchFamily="34" charset="-122"/>
-              </a:rPr>
-              <a:t>了四种</a:t>
-            </a:r>
-            <a:r>
-              <a:rPr lang="zh-CN" altLang="en-US" sz="1600" dirty="0" smtClean="0">
-                <a:latin typeface="微软雅黑" panose="020B0503020204020204" pitchFamily="34" charset="-122"/>
-                <a:ea typeface="微软雅黑" panose="020B0503020204020204" pitchFamily="34" charset="-122"/>
-              </a:rPr>
-              <a:t>机器学习</a:t>
-            </a:r>
-            <a:r>
-              <a:rPr lang="zh-CN" altLang="en-US" sz="1600" dirty="0" smtClean="0">
-                <a:latin typeface="微软雅黑" panose="020B0503020204020204" pitchFamily="34" charset="-122"/>
-                <a:ea typeface="微软雅黑" panose="020B0503020204020204" pitchFamily="34" charset="-122"/>
-              </a:rPr>
-              <a:t>分类器</a:t>
+              <a:t>使用了四种机器学习分类器</a:t>
             </a:r>
             <a:r>
               <a:rPr lang="zh-CN" altLang="en-US" sz="1600" dirty="0">
@@ -43060,14 +43001,7 @@
                 <a:latin typeface="微软雅黑" panose="020B0503020204020204" pitchFamily="34" charset="-122"/>
                 <a:ea typeface="微软雅黑" panose="020B0503020204020204" pitchFamily="34" charset="-122"/>
               </a:rPr>
-              <a:t>设计与实现无线网络设备</a:t>
-            </a:r>
-            <a:r>
-              <a:rPr lang="zh-CN" altLang="en-US" sz="1600" dirty="0" smtClean="0">
-                <a:latin typeface="微软雅黑" panose="020B0503020204020204" pitchFamily="34" charset="-122"/>
-                <a:ea typeface="微软雅黑" panose="020B0503020204020204" pitchFamily="34" charset="-122"/>
-              </a:rPr>
-              <a:t>识别</a:t>
+              <a:t>设计与实现无线网络设备识别</a:t>
             </a:r>
             <a:r>
               <a:rPr lang="zh-CN" altLang="en-US" sz="1600" dirty="0">
@@ -43081,14 +43015,7 @@
                 <a:latin typeface="微软雅黑" panose="020B0503020204020204" pitchFamily="34" charset="-122"/>
                 <a:ea typeface="微软雅黑" panose="020B0503020204020204" pitchFamily="34" charset="-122"/>
               </a:rPr>
-              <a:t>系统</a:t>
-            </a:r>
-            <a:r>
-              <a:rPr lang="zh-CN" altLang="en-US" sz="1600" dirty="0" smtClean="0">
-                <a:latin typeface="微软雅黑" panose="020B0503020204020204" pitchFamily="34" charset="-122"/>
-                <a:ea typeface="微软雅黑" panose="020B0503020204020204" pitchFamily="34" charset="-122"/>
-              </a:rPr>
-              <a:t>；</a:t>
+              <a:t>系统；</a:t>
             </a:r>
             <a:endParaRPr lang="en-US" altLang="zh-CN" sz="1600" dirty="0">
               <a:latin typeface="微软雅黑" panose="020B0503020204020204" pitchFamily="34" charset="-122"/>
@@ -43261,11 +43188,7 @@
             </a:r>
             <a:r>
               <a:rPr lang="en-US" altLang="zh-CN" sz="1600" dirty="0"/>
-              <a:t>, Xu H, et al. User practice in password security: an empirical study of real-life </a:t>
-            </a:r>
-            <a:r>
-              <a:rPr lang="en-US" altLang="zh-CN" sz="1600" dirty="0"/>
-              <a:t>passwords in the wild[J]. Computers &amp; Security, 2016, 61:130-141.</a:t>
+              <a:t>, Xu H, et al. User practice in password security: an empirical study of real-life passwords in the wild[J]. Computers &amp; Security, 2016, 61:130-141.</a:t>
             </a:r>
             <a:endParaRPr lang="zh-CN" altLang="zh-CN" sz="1600" dirty="0"/>
           </a:p>
@@ -43300,21 +43223,8 @@
             </a:r>
             <a:r>
               <a:rPr lang="en-US" altLang="zh-CN" sz="1600" dirty="0"/>
-              <a:t>on Smartphones[J]. </a:t>
-            </a:r>
-            <a:r>
-              <a:rPr lang="en-US" altLang="zh-CN" sz="1600" dirty="0"/>
-              <a:t>Sensors, 2016, 16(3):345</a:t>
-            </a:r>
-            <a:r>
-              <a:rPr lang="en-US" altLang="zh-CN" sz="1600" dirty="0"/>
-              <a:t>.</a:t>
-            </a:r>
-            <a:r>
-              <a:rPr lang="en-US" altLang="zh-CN" sz="1600" dirty="0"/>
-              <a:t>	</a:t>
-            </a:r>
-            <a:endParaRPr lang="en-US" altLang="zh-CN" sz="1600" dirty="0"/>
+              <a:t>on Smartphones[J]. Sensors, 2016, 16(3):345.	</a:t>
+            </a:r>
           </a:p>
           <a:p>
             <a:pPr lvl="0">
@@ -43738,6 +43648,259 @@
 </file>
 
 <file path=ppt/slides/slide35.xml><?xml version="1.0" encoding="utf-8"?>
+<p:sld xmlns:a="http://schemas.openxmlformats.org/drawingml/2006/main" xmlns:r="http://schemas.openxmlformats.org/officeDocument/2006/relationships" xmlns:p="http://schemas.openxmlformats.org/presentationml/2006/main">
+  <p:cSld>
+    <p:spTree>
+      <p:nvGrpSpPr>
+        <p:cNvPr id="1" name=""/>
+        <p:cNvGrpSpPr/>
+        <p:nvPr/>
+      </p:nvGrpSpPr>
+      <p:grpSpPr>
+        <a:xfrm>
+          <a:off x="0" y="0"/>
+          <a:ext cx="0" cy="0"/>
+          <a:chOff x="0" y="0"/>
+          <a:chExt cx="0" cy="0"/>
+        </a:xfrm>
+      </p:grpSpPr>
+      <p:sp>
+        <p:nvSpPr>
+          <p:cNvPr id="2" name="标题 1"/>
+          <p:cNvSpPr>
+            <a:spLocks noGrp="1"/>
+          </p:cNvSpPr>
+          <p:nvPr>
+            <p:ph type="title"/>
+          </p:nvPr>
+        </p:nvSpPr>
+        <p:spPr/>
+        <p:txBody>
+          <a:bodyPr/>
+          <a:lstStyle/>
+          <a:p>
+            <a:r>
+              <a:rPr lang="zh-CN" altLang="en-US" dirty="0" smtClean="0"/>
+              <a:t>回答徐老师问题</a:t>
+            </a:r>
+            <a:endParaRPr lang="zh-CN" altLang="en-US" dirty="0"/>
+          </a:p>
+        </p:txBody>
+      </p:sp>
+      <p:sp>
+        <p:nvSpPr>
+          <p:cNvPr id="3" name="内容占位符 2"/>
+          <p:cNvSpPr>
+            <a:spLocks noGrp="1"/>
+          </p:cNvSpPr>
+          <p:nvPr>
+            <p:ph idx="1"/>
+          </p:nvPr>
+        </p:nvSpPr>
+        <p:spPr/>
+        <p:txBody>
+          <a:bodyPr/>
+          <a:lstStyle/>
+          <a:p>
+            <a:r>
+              <a:rPr lang="en-US" altLang="zh-CN" dirty="0" smtClean="0"/>
+              <a:t>1.</a:t>
+            </a:r>
+            <a:r>
+              <a:rPr lang="zh-CN" altLang="en-US" dirty="0" smtClean="0"/>
+              <a:t>本文的数值测试结果均基于实验室搭建的无线局域网测试所得，本文所提方法是否可以应用到其他类型的网络，如公共移动网络等。在应用时，所提方法可能会面临的局限性？</a:t>
+            </a:r>
+            <a:endParaRPr lang="en-US" altLang="zh-CN" dirty="0" smtClean="0"/>
+          </a:p>
+          <a:p>
+            <a:r>
+              <a:rPr lang="en-US" altLang="zh-CN" dirty="0" smtClean="0"/>
+              <a:t>2.</a:t>
+            </a:r>
+            <a:r>
+              <a:rPr lang="zh-CN" altLang="en-US" dirty="0" smtClean="0"/>
+              <a:t>本文所采用的降噪方法是否会对特征指纹生成以及四种分类方法的性能产生影响？</a:t>
+            </a:r>
+            <a:endParaRPr lang="zh-CN" altLang="en-US" dirty="0"/>
+          </a:p>
+        </p:txBody>
+      </p:sp>
+      <p:sp>
+        <p:nvSpPr>
+          <p:cNvPr id="4" name="灯片编号占位符 3"/>
+          <p:cNvSpPr>
+            <a:spLocks noGrp="1"/>
+          </p:cNvSpPr>
+          <p:nvPr>
+            <p:ph type="sldNum" sz="quarter" idx="12"/>
+          </p:nvPr>
+        </p:nvSpPr>
+        <p:spPr/>
+        <p:txBody>
+          <a:bodyPr/>
+          <a:lstStyle/>
+          <a:p>
+            <a:fld id="{B3362FB8-9A7F-4E76-B5DE-3B4F7AA82252}" type="slidenum">
+              <a:rPr lang="en-US" altLang="zh-CN" smtClean="0"/>
+              <a:pPr/>
+              <a:t>35</a:t>
+            </a:fld>
+            <a:endParaRPr lang="en-US" dirty="0"/>
+          </a:p>
+        </p:txBody>
+      </p:sp>
+    </p:spTree>
+    <p:extLst>
+      <p:ext uri="{BB962C8B-B14F-4D97-AF65-F5344CB8AC3E}">
+        <p14:creationId xmlns:p14="http://schemas.microsoft.com/office/powerpoint/2010/main" val="3644094265"/>
+      </p:ext>
+    </p:extLst>
+  </p:cSld>
+  <p:clrMapOvr>
+    <a:masterClrMapping/>
+  </p:clrMapOvr>
+</p:sld>
+</file>
+
+<file path=ppt/slides/slide36.xml><?xml version="1.0" encoding="utf-8"?>
+<p:sld xmlns:a="http://schemas.openxmlformats.org/drawingml/2006/main" xmlns:r="http://schemas.openxmlformats.org/officeDocument/2006/relationships" xmlns:p="http://schemas.openxmlformats.org/presentationml/2006/main">
+  <p:cSld>
+    <p:spTree>
+      <p:nvGrpSpPr>
+        <p:cNvPr id="1" name=""/>
+        <p:cNvGrpSpPr/>
+        <p:nvPr/>
+      </p:nvGrpSpPr>
+      <p:grpSpPr>
+        <a:xfrm>
+          <a:off x="0" y="0"/>
+          <a:ext cx="0" cy="0"/>
+          <a:chOff x="0" y="0"/>
+          <a:chExt cx="0" cy="0"/>
+        </a:xfrm>
+      </p:grpSpPr>
+      <p:sp>
+        <p:nvSpPr>
+          <p:cNvPr id="2" name="标题 1"/>
+          <p:cNvSpPr>
+            <a:spLocks noGrp="1"/>
+          </p:cNvSpPr>
+          <p:nvPr>
+            <p:ph type="title"/>
+          </p:nvPr>
+        </p:nvSpPr>
+        <p:spPr/>
+        <p:txBody>
+          <a:bodyPr/>
+          <a:lstStyle/>
+          <a:p>
+            <a:r>
+              <a:rPr lang="zh-CN" altLang="en-US" dirty="0" smtClean="0"/>
+              <a:t>回答张老师提问</a:t>
+            </a:r>
+            <a:endParaRPr lang="zh-CN" altLang="en-US" dirty="0"/>
+          </a:p>
+        </p:txBody>
+      </p:sp>
+      <p:sp>
+        <p:nvSpPr>
+          <p:cNvPr id="3" name="内容占位符 2"/>
+          <p:cNvSpPr>
+            <a:spLocks noGrp="1"/>
+          </p:cNvSpPr>
+          <p:nvPr>
+            <p:ph idx="1"/>
+          </p:nvPr>
+        </p:nvSpPr>
+        <p:spPr/>
+        <p:txBody>
+          <a:bodyPr/>
+          <a:lstStyle/>
+          <a:p>
+            <a:r>
+              <a:rPr lang="en-US" altLang="zh-CN" dirty="0" smtClean="0"/>
+              <a:t>1.</a:t>
+            </a:r>
+            <a:r>
+              <a:rPr lang="zh-CN" altLang="en-US" dirty="0" smtClean="0"/>
+              <a:t>所提出的两种设备指纹方法和之前已有的方法的本质区别是什么？是否有实验对比？</a:t>
+            </a:r>
+            <a:endParaRPr lang="en-US" altLang="zh-CN" dirty="0" smtClean="0"/>
+          </a:p>
+          <a:p>
+            <a:r>
+              <a:rPr lang="en-US" altLang="zh-CN" dirty="0" smtClean="0"/>
+              <a:t>2.</a:t>
+            </a:r>
+            <a:r>
+              <a:rPr lang="zh-CN" altLang="en-US" dirty="0" smtClean="0"/>
+              <a:t>实验所用的具体分类算法是什么？例如使用了什么随机森林的实现？在何平台上进行实现（例如</a:t>
+            </a:r>
+            <a:r>
+              <a:rPr lang="en-US" altLang="zh-CN" dirty="0" smtClean="0"/>
+              <a:t>We</a:t>
+            </a:r>
+            <a:r>
+              <a:rPr lang="en-US" altLang="zh-CN" dirty="0"/>
+              <a:t>ka</a:t>
+            </a:r>
+            <a:r>
+              <a:rPr lang="zh-CN" altLang="en-US" dirty="0" smtClean="0"/>
+              <a:t>）？</a:t>
+            </a:r>
+            <a:endParaRPr lang="en-US" altLang="zh-CN" dirty="0" smtClean="0"/>
+          </a:p>
+          <a:p>
+            <a:r>
+              <a:rPr lang="en-US" altLang="zh-CN" dirty="0" smtClean="0"/>
+              <a:t>3.</a:t>
+            </a:r>
+            <a:r>
+              <a:rPr lang="zh-CN" altLang="en-US" dirty="0" smtClean="0"/>
+              <a:t>设备指纹是否会受到网络状况例如拥塞、丢包等影响？</a:t>
+            </a:r>
+            <a:endParaRPr lang="zh-CN" altLang="en-US" dirty="0"/>
+          </a:p>
+        </p:txBody>
+      </p:sp>
+      <p:sp>
+        <p:nvSpPr>
+          <p:cNvPr id="4" name="灯片编号占位符 3"/>
+          <p:cNvSpPr>
+            <a:spLocks noGrp="1"/>
+          </p:cNvSpPr>
+          <p:nvPr>
+            <p:ph type="sldNum" sz="quarter" idx="12"/>
+          </p:nvPr>
+        </p:nvSpPr>
+        <p:spPr/>
+        <p:txBody>
+          <a:bodyPr/>
+          <a:lstStyle/>
+          <a:p>
+            <a:fld id="{B3362FB8-9A7F-4E76-B5DE-3B4F7AA82252}" type="slidenum">
+              <a:rPr lang="en-US" altLang="zh-CN" smtClean="0"/>
+              <a:pPr/>
+              <a:t>36</a:t>
+            </a:fld>
+            <a:endParaRPr lang="en-US" dirty="0"/>
+          </a:p>
+        </p:txBody>
+      </p:sp>
+    </p:spTree>
+    <p:extLst>
+      <p:ext uri="{BB962C8B-B14F-4D97-AF65-F5344CB8AC3E}">
+        <p14:creationId xmlns:p14="http://schemas.microsoft.com/office/powerpoint/2010/main" val="2744291663"/>
+      </p:ext>
+    </p:extLst>
+  </p:cSld>
+  <p:clrMapOvr>
+    <a:masterClrMapping/>
+  </p:clrMapOvr>
+</p:sld>
+</file>
+
+<file path=ppt/slides/slide37.xml><?xml version="1.0" encoding="utf-8"?>
 <p:sld xmlns:a="http://schemas.openxmlformats.org/drawingml/2006/main" xmlns:r="http://schemas.openxmlformats.org/officeDocument/2006/relationships" xmlns:p="http://schemas.openxmlformats.org/presentationml/2006/main">
   <p:cSld>
     <p:spTree>
